--- a/Documentation/Sprint3 Demo Script.pptx
+++ b/Documentation/Sprint3 Demo Script.pptx
@@ -5,21 +5,20 @@
     <p:sldMasterId id="2147483648" r:id="rId1"/>
   </p:sldMasterIdLst>
   <p:notesMasterIdLst>
-    <p:notesMasterId r:id="rId14"/>
+    <p:notesMasterId r:id="rId13"/>
   </p:notesMasterIdLst>
   <p:sldIdLst>
-    <p:sldId id="256" r:id="rId2"/>
-    <p:sldId id="257" r:id="rId3"/>
-    <p:sldId id="258" r:id="rId4"/>
-    <p:sldId id="259" r:id="rId5"/>
-    <p:sldId id="260" r:id="rId6"/>
-    <p:sldId id="261" r:id="rId7"/>
-    <p:sldId id="262" r:id="rId8"/>
-    <p:sldId id="263" r:id="rId9"/>
-    <p:sldId id="264" r:id="rId10"/>
-    <p:sldId id="265" r:id="rId11"/>
-    <p:sldId id="266" r:id="rId12"/>
-    <p:sldId id="267" r:id="rId13"/>
+    <p:sldId id="257" r:id="rId2"/>
+    <p:sldId id="258" r:id="rId3"/>
+    <p:sldId id="259" r:id="rId4"/>
+    <p:sldId id="260" r:id="rId5"/>
+    <p:sldId id="261" r:id="rId6"/>
+    <p:sldId id="262" r:id="rId7"/>
+    <p:sldId id="263" r:id="rId8"/>
+    <p:sldId id="264" r:id="rId9"/>
+    <p:sldId id="265" r:id="rId10"/>
+    <p:sldId id="266" r:id="rId11"/>
+    <p:sldId id="267" r:id="rId12"/>
   </p:sldIdLst>
   <p:sldSz cx="12192000" cy="6858000"/>
   <p:notesSz cx="6858000" cy="9144000"/>
@@ -118,6 +117,14 @@
       </a:defRPr>
     </a:lvl9pPr>
   </p:defaultTextStyle>
+  <p:extLst>
+    <p:ext uri="{EFAFB233-063F-42B5-8137-9DF3F51BA10A}">
+      <p15:sldGuideLst xmlns:p15="http://schemas.microsoft.com/office/powerpoint/2012/main"/>
+    </p:ext>
+    <p:ext uri="{2D200454-40CA-4A62-9FC3-DE9A4176ACB9}">
+      <p15:notesGuideLst xmlns:p15="http://schemas.microsoft.com/office/powerpoint/2012/main"/>
+    </p:ext>
+  </p:extLst>
 </p:presentation>
 </file>
 
@@ -538,7 +545,7 @@
           <a:p>
             <a:fld id="{ADE16F91-84F9-4509-A9A6-2072C884383A}" type="slidenum">
               <a:rPr lang="en-US" smtClean="0"/>
-              <a:t>8</a:t>
+              <a:t>7</a:t>
             </a:fld>
             <a:endParaRPr lang="en-US"/>
           </a:p>
@@ -625,7 +632,7 @@
           <a:p>
             <a:fld id="{ADE16F91-84F9-4509-A9A6-2072C884383A}" type="slidenum">
               <a:rPr lang="en-US" smtClean="0"/>
-              <a:t>9</a:t>
+              <a:t>8</a:t>
             </a:fld>
             <a:endParaRPr lang="en-US"/>
           </a:p>
@@ -712,7 +719,7 @@
           <a:p>
             <a:fld id="{ADE16F91-84F9-4509-A9A6-2072C884383A}" type="slidenum">
               <a:rPr lang="en-US" smtClean="0"/>
-              <a:t>10</a:t>
+              <a:t>9</a:t>
             </a:fld>
             <a:endParaRPr lang="en-US"/>
           </a:p>
@@ -799,7 +806,7 @@
           <a:p>
             <a:fld id="{ADE16F91-84F9-4509-A9A6-2072C884383A}" type="slidenum">
               <a:rPr lang="en-US" smtClean="0"/>
-              <a:t>11</a:t>
+              <a:t>10</a:t>
             </a:fld>
             <a:endParaRPr lang="en-US"/>
           </a:p>
@@ -886,7 +893,7 @@
           <a:p>
             <a:fld id="{ADE16F91-84F9-4509-A9A6-2072C884383A}" type="slidenum">
               <a:rPr lang="en-US" smtClean="0"/>
-              <a:t>12</a:t>
+              <a:t>11</a:t>
             </a:fld>
             <a:endParaRPr lang="en-US"/>
           </a:p>
@@ -4124,55 +4131,209 @@
           <p:cNvPr id="2" name="Title 1">
             <a:extLst>
               <a:ext uri="{FF2B5EF4-FFF2-40B4-BE49-F238E27FC236}">
-                <a16:creationId xmlns:a16="http://schemas.microsoft.com/office/drawing/2014/main" id="{0EFF4583-9D0B-0AE2-E902-13F26DF0FA9F}"/>
-              </a:ext>
-            </a:extLst>
-          </p:cNvPr>
-          <p:cNvSpPr>
-            <a:spLocks noGrp="1"/>
-          </p:cNvSpPr>
-          <p:nvPr>
-            <p:ph type="ctrTitle"/>
-          </p:nvPr>
-        </p:nvSpPr>
-        <p:spPr/>
-        <p:txBody>
-          <a:bodyPr/>
-          <a:lstStyle/>
-          <a:p>
-            <a:endParaRPr lang="en-US"/>
-          </a:p>
-        </p:txBody>
-      </p:sp>
-      <p:sp>
-        <p:nvSpPr>
-          <p:cNvPr id="3" name="Subtitle 2">
-            <a:extLst>
-              <a:ext uri="{FF2B5EF4-FFF2-40B4-BE49-F238E27FC236}">
-                <a16:creationId xmlns:a16="http://schemas.microsoft.com/office/drawing/2014/main" id="{BADF5707-16DD-EB4C-DEC1-42A5AAA77DD9}"/>
-              </a:ext>
-            </a:extLst>
-          </p:cNvPr>
-          <p:cNvSpPr>
-            <a:spLocks noGrp="1"/>
-          </p:cNvSpPr>
-          <p:nvPr>
-            <p:ph type="subTitle" idx="1"/>
-          </p:nvPr>
-        </p:nvSpPr>
-        <p:spPr/>
-        <p:txBody>
-          <a:bodyPr/>
-          <a:lstStyle/>
-          <a:p>
-            <a:endParaRPr lang="en-US"/>
+                <a16:creationId xmlns:a16="http://schemas.microsoft.com/office/drawing/2014/main" id="{5AC41162-62DD-BAD7-79A6-FAD3D98E1673}"/>
+              </a:ext>
+            </a:extLst>
+          </p:cNvPr>
+          <p:cNvSpPr>
+            <a:spLocks noGrp="1"/>
+          </p:cNvSpPr>
+          <p:nvPr>
+            <p:ph type="title"/>
+          </p:nvPr>
+        </p:nvSpPr>
+        <p:spPr/>
+        <p:txBody>
+          <a:bodyPr>
+            <a:normAutofit/>
+          </a:bodyPr>
+          <a:lstStyle/>
+          <a:p>
+            <a:r>
+              <a:rPr lang="en-US" dirty="0"/>
+              <a:t>Sprint 3 Setup</a:t>
+            </a:r>
+            <a:br>
+              <a:rPr lang="en-US" dirty="0"/>
+            </a:br>
+            <a:r>
+              <a:rPr lang="en-US" dirty="0"/>
+              <a:t> </a:t>
+            </a:r>
+            <a:r>
+              <a:rPr lang="en-US" b="1" dirty="0" err="1"/>
+              <a:t>Prereq</a:t>
+            </a:r>
+            <a:r>
+              <a:rPr lang="en-US" b="1" dirty="0"/>
+              <a:t>: only 1 manager/admin on </a:t>
+            </a:r>
+            <a:r>
+              <a:rPr lang="en-US" b="1" dirty="0" err="1"/>
+              <a:t>CentRes</a:t>
+            </a:r>
+            <a:r>
+              <a:rPr lang="en-US" b="1" dirty="0"/>
+              <a:t> DB</a:t>
+            </a:r>
+          </a:p>
+        </p:txBody>
+      </p:sp>
+      <p:sp>
+        <p:nvSpPr>
+          <p:cNvPr id="3" name="Text Placeholder 2">
+            <a:extLst>
+              <a:ext uri="{FF2B5EF4-FFF2-40B4-BE49-F238E27FC236}">
+                <a16:creationId xmlns:a16="http://schemas.microsoft.com/office/drawing/2014/main" id="{CFEDC40F-CD39-F440-CA02-0653339CCE29}"/>
+              </a:ext>
+            </a:extLst>
+          </p:cNvPr>
+          <p:cNvSpPr>
+            <a:spLocks noGrp="1"/>
+          </p:cNvSpPr>
+          <p:nvPr>
+            <p:ph type="body" idx="1"/>
+          </p:nvPr>
+        </p:nvSpPr>
+        <p:spPr>
+          <a:solidFill>
+            <a:schemeClr val="accent2">
+              <a:lumMod val="60000"/>
+              <a:lumOff val="40000"/>
+            </a:schemeClr>
+          </a:solidFill>
+        </p:spPr>
+        <p:txBody>
+          <a:bodyPr/>
+          <a:lstStyle/>
+          <a:p>
+            <a:r>
+              <a:rPr lang="en-US" dirty="0"/>
+              <a:t>Browser 1 @ Login Screen</a:t>
+            </a:r>
+          </a:p>
+        </p:txBody>
+      </p:sp>
+      <p:sp>
+        <p:nvSpPr>
+          <p:cNvPr id="4" name="Content Placeholder 3">
+            <a:extLst>
+              <a:ext uri="{FF2B5EF4-FFF2-40B4-BE49-F238E27FC236}">
+                <a16:creationId xmlns:a16="http://schemas.microsoft.com/office/drawing/2014/main" id="{807D1356-130E-51D6-B6FF-66A72D9D9223}"/>
+              </a:ext>
+            </a:extLst>
+          </p:cNvPr>
+          <p:cNvSpPr>
+            <a:spLocks noGrp="1"/>
+          </p:cNvSpPr>
+          <p:nvPr>
+            <p:ph sz="half" idx="2"/>
+          </p:nvPr>
+        </p:nvSpPr>
+        <p:spPr>
+          <a:solidFill>
+            <a:schemeClr val="accent2">
+              <a:lumMod val="60000"/>
+              <a:lumOff val="40000"/>
+            </a:schemeClr>
+          </a:solidFill>
+        </p:spPr>
+        <p:txBody>
+          <a:bodyPr>
+            <a:normAutofit/>
+          </a:bodyPr>
+          <a:lstStyle/>
+          <a:p>
+            <a:r>
+              <a:rPr lang="en-US" dirty="0"/>
+              <a:t>Login as manager to</a:t>
+            </a:r>
+            <a:br>
+              <a:rPr lang="en-US" dirty="0"/>
+            </a:br>
+            <a:r>
+              <a:rPr lang="en-US" dirty="0"/>
+              <a:t>Host View</a:t>
+            </a:r>
+          </a:p>
+        </p:txBody>
+      </p:sp>
+      <p:sp>
+        <p:nvSpPr>
+          <p:cNvPr id="5" name="Text Placeholder 4">
+            <a:extLst>
+              <a:ext uri="{FF2B5EF4-FFF2-40B4-BE49-F238E27FC236}">
+                <a16:creationId xmlns:a16="http://schemas.microsoft.com/office/drawing/2014/main" id="{B0A36AC6-34F4-D349-9263-A5442865EDF9}"/>
+              </a:ext>
+            </a:extLst>
+          </p:cNvPr>
+          <p:cNvSpPr>
+            <a:spLocks noGrp="1"/>
+          </p:cNvSpPr>
+          <p:nvPr>
+            <p:ph type="body" sz="quarter" idx="3"/>
+          </p:nvPr>
+        </p:nvSpPr>
+        <p:spPr>
+          <a:solidFill>
+            <a:schemeClr val="accent4">
+              <a:lumMod val="60000"/>
+              <a:lumOff val="40000"/>
+            </a:schemeClr>
+          </a:solidFill>
+        </p:spPr>
+        <p:txBody>
+          <a:bodyPr/>
+          <a:lstStyle/>
+          <a:p>
+            <a:r>
+              <a:rPr lang="en-US" dirty="0"/>
+              <a:t>Browser 2 @ Login Screen</a:t>
+            </a:r>
+          </a:p>
+        </p:txBody>
+      </p:sp>
+      <p:sp>
+        <p:nvSpPr>
+          <p:cNvPr id="6" name="Content Placeholder 5">
+            <a:extLst>
+              <a:ext uri="{FF2B5EF4-FFF2-40B4-BE49-F238E27FC236}">
+                <a16:creationId xmlns:a16="http://schemas.microsoft.com/office/drawing/2014/main" id="{D3C49732-D778-AD14-F4D7-CD85DE7A99FA}"/>
+              </a:ext>
+            </a:extLst>
+          </p:cNvPr>
+          <p:cNvSpPr>
+            <a:spLocks noGrp="1"/>
+          </p:cNvSpPr>
+          <p:nvPr>
+            <p:ph sz="quarter" idx="4"/>
+          </p:nvPr>
+        </p:nvSpPr>
+        <p:spPr>
+          <a:solidFill>
+            <a:schemeClr val="accent4">
+              <a:lumMod val="60000"/>
+              <a:lumOff val="40000"/>
+            </a:schemeClr>
+          </a:solidFill>
+        </p:spPr>
+        <p:txBody>
+          <a:bodyPr>
+            <a:normAutofit/>
+          </a:bodyPr>
+          <a:lstStyle/>
+          <a:p>
+            <a:r>
+              <a:rPr lang="en-US" dirty="0"/>
+              <a:t>Login as Shemp  [to Server View]</a:t>
+            </a:r>
           </a:p>
         </p:txBody>
       </p:sp>
     </p:spTree>
     <p:extLst>
       <p:ext uri="{BB962C8B-B14F-4D97-AF65-F5344CB8AC3E}">
-        <p14:creationId xmlns:p14="http://schemas.microsoft.com/office/powerpoint/2010/main" val="1658779846"/>
+        <p14:creationId xmlns:p14="http://schemas.microsoft.com/office/powerpoint/2010/main" val="603771865"/>
       </p:ext>
     </p:extLst>
   </p:cSld>
@@ -4235,271 +4396,6 @@
             </a:r>
             <a:r>
               <a:rPr lang="en-US" b="1" dirty="0"/>
-              <a:t>Menu Editor Functionality (DAVID)</a:t>
-            </a:r>
-          </a:p>
-        </p:txBody>
-      </p:sp>
-      <p:sp>
-        <p:nvSpPr>
-          <p:cNvPr id="3" name="Text Placeholder 2">
-            <a:extLst>
-              <a:ext uri="{FF2B5EF4-FFF2-40B4-BE49-F238E27FC236}">
-                <a16:creationId xmlns:a16="http://schemas.microsoft.com/office/drawing/2014/main" id="{CFEDC40F-CD39-F440-CA02-0653339CCE29}"/>
-              </a:ext>
-            </a:extLst>
-          </p:cNvPr>
-          <p:cNvSpPr>
-            <a:spLocks noGrp="1"/>
-          </p:cNvSpPr>
-          <p:nvPr>
-            <p:ph type="body" idx="1"/>
-          </p:nvPr>
-        </p:nvSpPr>
-        <p:spPr>
-          <a:solidFill>
-            <a:schemeClr val="accent2">
-              <a:lumMod val="60000"/>
-              <a:lumOff val="40000"/>
-            </a:schemeClr>
-          </a:solidFill>
-        </p:spPr>
-        <p:txBody>
-          <a:bodyPr>
-            <a:normAutofit/>
-          </a:bodyPr>
-          <a:lstStyle/>
-          <a:p>
-            <a:r>
-              <a:rPr lang="en-US" dirty="0"/>
-              <a:t>Recording @ Menu Editor</a:t>
-            </a:r>
-          </a:p>
-        </p:txBody>
-      </p:sp>
-      <p:sp>
-        <p:nvSpPr>
-          <p:cNvPr id="4" name="Content Placeholder 3">
-            <a:extLst>
-              <a:ext uri="{FF2B5EF4-FFF2-40B4-BE49-F238E27FC236}">
-                <a16:creationId xmlns:a16="http://schemas.microsoft.com/office/drawing/2014/main" id="{807D1356-130E-51D6-B6FF-66A72D9D9223}"/>
-              </a:ext>
-            </a:extLst>
-          </p:cNvPr>
-          <p:cNvSpPr>
-            <a:spLocks noGrp="1"/>
-          </p:cNvSpPr>
-          <p:nvPr>
-            <p:ph sz="half" idx="2"/>
-          </p:nvPr>
-        </p:nvSpPr>
-        <p:spPr>
-          <a:solidFill>
-            <a:schemeClr val="accent2">
-              <a:lumMod val="60000"/>
-              <a:lumOff val="40000"/>
-            </a:schemeClr>
-          </a:solidFill>
-        </p:spPr>
-        <p:txBody>
-          <a:bodyPr>
-            <a:normAutofit lnSpcReduction="10000"/>
-          </a:bodyPr>
-          <a:lstStyle/>
-          <a:p>
-            <a:r>
-              <a:rPr lang="en-US" sz="2400" b="1" dirty="0"/>
-              <a:t>CTRL + ENTER toggles between Menu Item and Menu Category editor, staying in the same category</a:t>
-            </a:r>
-          </a:p>
-          <a:p>
-            <a:r>
-              <a:rPr lang="en-US" sz="2400" b="1" dirty="0"/>
-              <a:t>CTRL + SHIFT + ENTER takes you 1 level up and routes to Menu Category editor.</a:t>
-            </a:r>
-          </a:p>
-          <a:p>
-            <a:r>
-              <a:rPr lang="en-US" sz="2400" b="1" dirty="0"/>
-              <a:t>CTRL + DELETE deletes selected item/cat if you can.</a:t>
-            </a:r>
-          </a:p>
-          <a:p>
-            <a:r>
-              <a:rPr lang="en-US" sz="2400" b="1" dirty="0"/>
-              <a:t>SHIFT + CLICK on New Category takes you 1 category level up</a:t>
-            </a:r>
-          </a:p>
-        </p:txBody>
-      </p:sp>
-      <p:sp>
-        <p:nvSpPr>
-          <p:cNvPr id="8" name="Text Placeholder 7">
-            <a:extLst>
-              <a:ext uri="{FF2B5EF4-FFF2-40B4-BE49-F238E27FC236}">
-                <a16:creationId xmlns:a16="http://schemas.microsoft.com/office/drawing/2014/main" id="{862EE68D-064C-F641-0F08-20730A479C31}"/>
-              </a:ext>
-            </a:extLst>
-          </p:cNvPr>
-          <p:cNvSpPr>
-            <a:spLocks noGrp="1"/>
-          </p:cNvSpPr>
-          <p:nvPr>
-            <p:ph type="body" sz="quarter" idx="3"/>
-          </p:nvPr>
-        </p:nvSpPr>
-        <p:spPr/>
-        <p:txBody>
-          <a:bodyPr/>
-          <a:lstStyle/>
-          <a:p>
-            <a:r>
-              <a:rPr lang="en-US" dirty="0"/>
-              <a:t>Add Category “Kids Menu”</a:t>
-            </a:r>
-          </a:p>
-        </p:txBody>
-      </p:sp>
-      <p:sp>
-        <p:nvSpPr>
-          <p:cNvPr id="7" name="TextBox 6">
-            <a:extLst>
-              <a:ext uri="{FF2B5EF4-FFF2-40B4-BE49-F238E27FC236}">
-                <a16:creationId xmlns:a16="http://schemas.microsoft.com/office/drawing/2014/main" id="{723C89D6-0036-6BCF-E60D-7C443E9C1672}"/>
-              </a:ext>
-            </a:extLst>
-          </p:cNvPr>
-          <p:cNvSpPr txBox="1"/>
-          <p:nvPr/>
-        </p:nvSpPr>
-        <p:spPr>
-          <a:xfrm>
-            <a:off x="6279502" y="2505075"/>
-            <a:ext cx="3554963" cy="3970318"/>
-          </a:xfrm>
-          <a:prstGeom prst="rect">
-            <a:avLst/>
-          </a:prstGeom>
-          <a:noFill/>
-        </p:spPr>
-        <p:txBody>
-          <a:bodyPr wrap="square" rtlCol="0">
-            <a:spAutoFit/>
-          </a:bodyPr>
-          <a:lstStyle/>
-          <a:p>
-            <a:r>
-              <a:rPr lang="en-US" dirty="0"/>
-              <a:t>Add A few menu items…. Chicken Nuggets, Corn Dog. </a:t>
-            </a:r>
-            <a:br>
-              <a:rPr lang="en-US" dirty="0"/>
-            </a:br>
-            <a:br>
-              <a:rPr lang="en-US" dirty="0"/>
-            </a:br>
-            <a:r>
-              <a:rPr lang="en-US" dirty="0"/>
-              <a:t>Mention that “all fields except menu item name are retained for rapid entry”….</a:t>
-            </a:r>
-            <a:br>
-              <a:rPr lang="en-US" dirty="0"/>
-            </a:br>
-            <a:br>
-              <a:rPr lang="en-US" dirty="0"/>
-            </a:br>
-            <a:r>
-              <a:rPr lang="en-US" dirty="0"/>
-              <a:t>Groups of items usually have the same price and route….</a:t>
-            </a:r>
-            <a:br>
-              <a:rPr lang="en-US" dirty="0"/>
-            </a:br>
-            <a:br>
-              <a:rPr lang="en-US" dirty="0"/>
-            </a:br>
-            <a:r>
-              <a:rPr lang="en-US" dirty="0"/>
-              <a:t>Mention route field…. This will segway into back of house.</a:t>
-            </a:r>
-          </a:p>
-          <a:p>
-            <a:endParaRPr lang="en-US" dirty="0"/>
-          </a:p>
-          <a:p>
-            <a:r>
-              <a:rPr lang="en-US" b="1" dirty="0"/>
-              <a:t>Hand control over to CARSON</a:t>
-            </a:r>
-          </a:p>
-        </p:txBody>
-      </p:sp>
-    </p:spTree>
-    <p:extLst>
-      <p:ext uri="{BB962C8B-B14F-4D97-AF65-F5344CB8AC3E}">
-        <p14:creationId xmlns:p14="http://schemas.microsoft.com/office/powerpoint/2010/main" val="631440977"/>
-      </p:ext>
-    </p:extLst>
-  </p:cSld>
-  <p:clrMapOvr>
-    <a:masterClrMapping/>
-  </p:clrMapOvr>
-</p:sld>
-</file>
-
-<file path=ppt/slides/slide11.xml><?xml version="1.0" encoding="utf-8"?>
-<p:sld xmlns:a="http://schemas.openxmlformats.org/drawingml/2006/main" xmlns:r="http://schemas.openxmlformats.org/officeDocument/2006/relationships" xmlns:p="http://schemas.openxmlformats.org/presentationml/2006/main">
-  <p:cSld>
-    <p:spTree>
-      <p:nvGrpSpPr>
-        <p:cNvPr id="1" name=""/>
-        <p:cNvGrpSpPr/>
-        <p:nvPr/>
-      </p:nvGrpSpPr>
-      <p:grpSpPr>
-        <a:xfrm>
-          <a:off x="0" y="0"/>
-          <a:ext cx="0" cy="0"/>
-          <a:chOff x="0" y="0"/>
-          <a:chExt cx="0" cy="0"/>
-        </a:xfrm>
-      </p:grpSpPr>
-      <p:sp>
-        <p:nvSpPr>
-          <p:cNvPr id="2" name="Title 1">
-            <a:extLst>
-              <a:ext uri="{FF2B5EF4-FFF2-40B4-BE49-F238E27FC236}">
-                <a16:creationId xmlns:a16="http://schemas.microsoft.com/office/drawing/2014/main" id="{5AC41162-62DD-BAD7-79A6-FAD3D98E1673}"/>
-              </a:ext>
-            </a:extLst>
-          </p:cNvPr>
-          <p:cNvSpPr>
-            <a:spLocks noGrp="1"/>
-          </p:cNvSpPr>
-          <p:nvPr>
-            <p:ph type="title"/>
-          </p:nvPr>
-        </p:nvSpPr>
-        <p:spPr/>
-        <p:txBody>
-          <a:bodyPr>
-            <a:normAutofit/>
-          </a:bodyPr>
-          <a:lstStyle/>
-          <a:p>
-            <a:r>
-              <a:rPr lang="en-US" dirty="0"/>
-              <a:t>Sprint 3 Demo</a:t>
-            </a:r>
-            <a:br>
-              <a:rPr lang="en-US" dirty="0"/>
-            </a:br>
-            <a:r>
-              <a:rPr lang="en-US" dirty="0"/>
-              <a:t> </a:t>
-            </a:r>
-            <a:r>
-              <a:rPr lang="en-US" b="1" dirty="0"/>
               <a:t>Food Prep Terminal (Andy? Unassigned)</a:t>
             </a:r>
           </a:p>
@@ -4713,7 +4609,7 @@
 </p:sld>
 </file>
 
-<file path=ppt/slides/slide12.xml><?xml version="1.0" encoding="utf-8"?>
+<file path=ppt/slides/slide11.xml><?xml version="1.0" encoding="utf-8"?>
 <p:sld xmlns:a="http://schemas.openxmlformats.org/drawingml/2006/main" xmlns:r="http://schemas.openxmlformats.org/officeDocument/2006/relationships" xmlns:p="http://schemas.openxmlformats.org/presentationml/2006/main">
   <p:cSld>
     <p:spTree>
@@ -4941,37 +4837,12 @@
         </p:nvSpPr>
         <p:spPr/>
         <p:txBody>
-          <a:bodyPr>
-            <a:normAutofit/>
-          </a:bodyPr>
+          <a:bodyPr/>
           <a:lstStyle/>
           <a:p>
             <a:r>
               <a:rPr lang="en-US" dirty="0"/>
               <a:t>Sprint 3 Setup</a:t>
-            </a:r>
-            <a:br>
-              <a:rPr lang="en-US" dirty="0"/>
-            </a:br>
-            <a:r>
-              <a:rPr lang="en-US" dirty="0"/>
-              <a:t> </a:t>
-            </a:r>
-            <a:r>
-              <a:rPr lang="en-US" b="1" dirty="0" err="1"/>
-              <a:t>Prereq</a:t>
-            </a:r>
-            <a:r>
-              <a:rPr lang="en-US" b="1" dirty="0"/>
-              <a:t>: only 1 manager/admin on </a:t>
-            </a:r>
-            <a:r>
-              <a:rPr lang="en-US" b="1" dirty="0" err="1"/>
-              <a:t>CentRes</a:t>
-            </a:r>
-            <a:r>
-              <a:rPr lang="en-US" b="1" dirty="0"/>
-              <a:t> DB</a:t>
             </a:r>
           </a:p>
         </p:txBody>
@@ -5006,7 +4877,7 @@
           <a:p>
             <a:r>
               <a:rPr lang="en-US" dirty="0"/>
-              <a:t>Browser 1 @ Login Screen</a:t>
+              <a:t>Browser 1 @ Host View</a:t>
             </a:r>
           </a:p>
         </p:txBody>
@@ -5043,24 +4914,48 @@
           <a:p>
             <a:r>
               <a:rPr lang="en-US" dirty="0"/>
-              <a:t>Login as manager to</a:t>
-            </a:r>
-            <a:br>
-              <a:rPr lang="en-US" dirty="0"/>
-            </a:br>
-            <a:r>
-              <a:rPr lang="en-US" dirty="0"/>
-              <a:t>Host View</a:t>
-            </a:r>
-          </a:p>
-        </p:txBody>
-      </p:sp>
-      <p:sp>
-        <p:nvSpPr>
-          <p:cNvPr id="5" name="Text Placeholder 4">
-            <a:extLst>
-              <a:ext uri="{FF2B5EF4-FFF2-40B4-BE49-F238E27FC236}">
-                <a16:creationId xmlns:a16="http://schemas.microsoft.com/office/drawing/2014/main" id="{B0A36AC6-34F4-D349-9263-A5442865EDF9}"/>
+              <a:t>Create Ticket</a:t>
+            </a:r>
+          </a:p>
+          <a:p>
+            <a:r>
+              <a:rPr lang="en-US" dirty="0"/>
+              <a:t>Assign Shemp &amp; Ticket to any Table</a:t>
+            </a:r>
+          </a:p>
+        </p:txBody>
+      </p:sp>
+      <p:sp>
+        <p:nvSpPr>
+          <p:cNvPr id="8" name="Content Placeholder 7">
+            <a:extLst>
+              <a:ext uri="{FF2B5EF4-FFF2-40B4-BE49-F238E27FC236}">
+                <a16:creationId xmlns:a16="http://schemas.microsoft.com/office/drawing/2014/main" id="{D785FD5B-7781-7BEC-90C3-F9BE812B81C9}"/>
+              </a:ext>
+            </a:extLst>
+          </p:cNvPr>
+          <p:cNvSpPr>
+            <a:spLocks noGrp="1"/>
+          </p:cNvSpPr>
+          <p:nvPr>
+            <p:ph sz="quarter" idx="4"/>
+          </p:nvPr>
+        </p:nvSpPr>
+        <p:spPr/>
+        <p:txBody>
+          <a:bodyPr/>
+          <a:lstStyle/>
+          <a:p>
+            <a:endParaRPr lang="en-US"/>
+          </a:p>
+        </p:txBody>
+      </p:sp>
+      <p:sp>
+        <p:nvSpPr>
+          <p:cNvPr id="10" name="Text Placeholder 9">
+            <a:extLst>
+              <a:ext uri="{FF2B5EF4-FFF2-40B4-BE49-F238E27FC236}">
+                <a16:creationId xmlns:a16="http://schemas.microsoft.com/office/drawing/2014/main" id="{144CBCE3-D542-316F-231C-718B794A2EFE}"/>
               </a:ext>
             </a:extLst>
           </p:cNvPr>
@@ -5071,66 +4966,19 @@
             <p:ph type="body" sz="quarter" idx="3"/>
           </p:nvPr>
         </p:nvSpPr>
-        <p:spPr>
-          <a:solidFill>
-            <a:schemeClr val="accent4">
-              <a:lumMod val="60000"/>
-              <a:lumOff val="40000"/>
-            </a:schemeClr>
-          </a:solidFill>
-        </p:spPr>
-        <p:txBody>
-          <a:bodyPr/>
-          <a:lstStyle/>
-          <a:p>
-            <a:r>
-              <a:rPr lang="en-US" dirty="0"/>
-              <a:t>Browser 2 @ Login Screen</a:t>
-            </a:r>
-          </a:p>
-        </p:txBody>
-      </p:sp>
-      <p:sp>
-        <p:nvSpPr>
-          <p:cNvPr id="6" name="Content Placeholder 5">
-            <a:extLst>
-              <a:ext uri="{FF2B5EF4-FFF2-40B4-BE49-F238E27FC236}">
-                <a16:creationId xmlns:a16="http://schemas.microsoft.com/office/drawing/2014/main" id="{D3C49732-D778-AD14-F4D7-CD85DE7A99FA}"/>
-              </a:ext>
-            </a:extLst>
-          </p:cNvPr>
-          <p:cNvSpPr>
-            <a:spLocks noGrp="1"/>
-          </p:cNvSpPr>
-          <p:nvPr>
-            <p:ph sz="quarter" idx="4"/>
-          </p:nvPr>
-        </p:nvSpPr>
-        <p:spPr>
-          <a:solidFill>
-            <a:schemeClr val="accent4">
-              <a:lumMod val="60000"/>
-              <a:lumOff val="40000"/>
-            </a:schemeClr>
-          </a:solidFill>
-        </p:spPr>
-        <p:txBody>
-          <a:bodyPr>
-            <a:normAutofit/>
-          </a:bodyPr>
-          <a:lstStyle/>
-          <a:p>
-            <a:r>
-              <a:rPr lang="en-US" dirty="0"/>
-              <a:t>Login as Shemp  [to Server View]</a:t>
-            </a:r>
+        <p:spPr/>
+        <p:txBody>
+          <a:bodyPr/>
+          <a:lstStyle/>
+          <a:p>
+            <a:endParaRPr lang="en-US"/>
           </a:p>
         </p:txBody>
       </p:sp>
     </p:spTree>
     <p:extLst>
       <p:ext uri="{BB962C8B-B14F-4D97-AF65-F5344CB8AC3E}">
-        <p14:creationId xmlns:p14="http://schemas.microsoft.com/office/powerpoint/2010/main" val="603771865"/>
+        <p14:creationId xmlns:p14="http://schemas.microsoft.com/office/powerpoint/2010/main" val="3740187100"/>
       </p:ext>
     </p:extLst>
   </p:cSld>
@@ -5187,23 +5035,23 @@
       </p:sp>
       <p:sp>
         <p:nvSpPr>
-          <p:cNvPr id="3" name="Text Placeholder 2">
-            <a:extLst>
-              <a:ext uri="{FF2B5EF4-FFF2-40B4-BE49-F238E27FC236}">
-                <a16:creationId xmlns:a16="http://schemas.microsoft.com/office/drawing/2014/main" id="{CFEDC40F-CD39-F440-CA02-0653339CCE29}"/>
-              </a:ext>
-            </a:extLst>
-          </p:cNvPr>
-          <p:cNvSpPr>
-            <a:spLocks noGrp="1"/>
-          </p:cNvSpPr>
-          <p:nvPr>
-            <p:ph type="body" idx="1"/>
+          <p:cNvPr id="5" name="Text Placeholder 4">
+            <a:extLst>
+              <a:ext uri="{FF2B5EF4-FFF2-40B4-BE49-F238E27FC236}">
+                <a16:creationId xmlns:a16="http://schemas.microsoft.com/office/drawing/2014/main" id="{B0A36AC6-34F4-D349-9263-A5442865EDF9}"/>
+              </a:ext>
+            </a:extLst>
+          </p:cNvPr>
+          <p:cNvSpPr>
+            <a:spLocks noGrp="1"/>
+          </p:cNvSpPr>
+          <p:nvPr>
+            <p:ph type="body" sz="quarter" idx="3"/>
           </p:nvPr>
         </p:nvSpPr>
         <p:spPr>
           <a:solidFill>
-            <a:schemeClr val="accent2">
+            <a:schemeClr val="accent4">
               <a:lumMod val="60000"/>
               <a:lumOff val="40000"/>
             </a:schemeClr>
@@ -5215,30 +5063,30 @@
           <a:p>
             <a:r>
               <a:rPr lang="en-US" dirty="0"/>
-              <a:t>Browser 1 @ Host View</a:t>
-            </a:r>
-          </a:p>
-        </p:txBody>
-      </p:sp>
-      <p:sp>
-        <p:nvSpPr>
-          <p:cNvPr id="4" name="Content Placeholder 3">
-            <a:extLst>
-              <a:ext uri="{FF2B5EF4-FFF2-40B4-BE49-F238E27FC236}">
-                <a16:creationId xmlns:a16="http://schemas.microsoft.com/office/drawing/2014/main" id="{807D1356-130E-51D6-B6FF-66A72D9D9223}"/>
-              </a:ext>
-            </a:extLst>
-          </p:cNvPr>
-          <p:cNvSpPr>
-            <a:spLocks noGrp="1"/>
-          </p:cNvSpPr>
-          <p:nvPr>
-            <p:ph sz="half" idx="2"/>
+              <a:t>Browser 2 @ Server View</a:t>
+            </a:r>
+          </a:p>
+        </p:txBody>
+      </p:sp>
+      <p:sp>
+        <p:nvSpPr>
+          <p:cNvPr id="6" name="Content Placeholder 5">
+            <a:extLst>
+              <a:ext uri="{FF2B5EF4-FFF2-40B4-BE49-F238E27FC236}">
+                <a16:creationId xmlns:a16="http://schemas.microsoft.com/office/drawing/2014/main" id="{D3C49732-D778-AD14-F4D7-CD85DE7A99FA}"/>
+              </a:ext>
+            </a:extLst>
+          </p:cNvPr>
+          <p:cNvSpPr>
+            <a:spLocks noGrp="1"/>
+          </p:cNvSpPr>
+          <p:nvPr>
+            <p:ph sz="quarter" idx="4"/>
           </p:nvPr>
         </p:nvSpPr>
         <p:spPr>
           <a:solidFill>
-            <a:schemeClr val="accent2">
+            <a:schemeClr val="accent4">
               <a:lumMod val="60000"/>
               <a:lumOff val="40000"/>
             </a:schemeClr>
@@ -5252,31 +5100,43 @@
           <a:p>
             <a:r>
               <a:rPr lang="en-US" dirty="0"/>
-              <a:t>Create Ticket</a:t>
-            </a:r>
-          </a:p>
-          <a:p>
-            <a:r>
-              <a:rPr lang="en-US" dirty="0"/>
-              <a:t>Assign Shemp &amp; Ticket to any Table</a:t>
-            </a:r>
-          </a:p>
-        </p:txBody>
-      </p:sp>
-      <p:sp>
-        <p:nvSpPr>
-          <p:cNvPr id="8" name="Content Placeholder 7">
-            <a:extLst>
-              <a:ext uri="{FF2B5EF4-FFF2-40B4-BE49-F238E27FC236}">
-                <a16:creationId xmlns:a16="http://schemas.microsoft.com/office/drawing/2014/main" id="{D785FD5B-7781-7BEC-90C3-F9BE812B81C9}"/>
-              </a:ext>
-            </a:extLst>
-          </p:cNvPr>
-          <p:cNvSpPr>
-            <a:spLocks noGrp="1"/>
-          </p:cNvSpPr>
-          <p:nvPr>
-            <p:ph sz="quarter" idx="4"/>
+              <a:t>Add a mix of menu items to ticket and SUBMIT</a:t>
+            </a:r>
+          </a:p>
+          <a:p>
+            <a:r>
+              <a:rPr lang="en-US" i="1" u="sng" dirty="0"/>
+              <a:t>Make at least 6 submissions of varying sizes to the kitchen.</a:t>
+            </a:r>
+          </a:p>
+          <a:p>
+            <a:r>
+              <a:rPr lang="en-US" i="1" u="sng" dirty="0"/>
+              <a:t>Some very short, some long and scrollable</a:t>
+            </a:r>
+          </a:p>
+          <a:p>
+            <a:r>
+              <a:rPr lang="en-US" b="1" dirty="0"/>
+              <a:t>Cancel and edit a few of the items (to show on BOH later)</a:t>
+            </a:r>
+          </a:p>
+        </p:txBody>
+      </p:sp>
+      <p:sp>
+        <p:nvSpPr>
+          <p:cNvPr id="8" name="Text Placeholder 7">
+            <a:extLst>
+              <a:ext uri="{FF2B5EF4-FFF2-40B4-BE49-F238E27FC236}">
+                <a16:creationId xmlns:a16="http://schemas.microsoft.com/office/drawing/2014/main" id="{2AD3DA93-666D-C087-5237-BCE3FA721418}"/>
+              </a:ext>
+            </a:extLst>
+          </p:cNvPr>
+          <p:cNvSpPr>
+            <a:spLocks noGrp="1"/>
+          </p:cNvSpPr>
+          <p:nvPr>
+            <p:ph type="body" idx="1"/>
           </p:nvPr>
         </p:nvSpPr>
         <p:spPr/>
@@ -5290,18 +5150,18 @@
       </p:sp>
       <p:sp>
         <p:nvSpPr>
-          <p:cNvPr id="10" name="Text Placeholder 9">
-            <a:extLst>
-              <a:ext uri="{FF2B5EF4-FFF2-40B4-BE49-F238E27FC236}">
-                <a16:creationId xmlns:a16="http://schemas.microsoft.com/office/drawing/2014/main" id="{144CBCE3-D542-316F-231C-718B794A2EFE}"/>
-              </a:ext>
-            </a:extLst>
-          </p:cNvPr>
-          <p:cNvSpPr>
-            <a:spLocks noGrp="1"/>
-          </p:cNvSpPr>
-          <p:nvPr>
-            <p:ph type="body" sz="quarter" idx="3"/>
+          <p:cNvPr id="10" name="Content Placeholder 9">
+            <a:extLst>
+              <a:ext uri="{FF2B5EF4-FFF2-40B4-BE49-F238E27FC236}">
+                <a16:creationId xmlns:a16="http://schemas.microsoft.com/office/drawing/2014/main" id="{420F0173-54E7-CF0F-3E0A-C896D661F33E}"/>
+              </a:ext>
+            </a:extLst>
+          </p:cNvPr>
+          <p:cNvSpPr>
+            <a:spLocks noGrp="1"/>
+          </p:cNvSpPr>
+          <p:nvPr>
+            <p:ph sz="half" idx="2"/>
           </p:nvPr>
         </p:nvSpPr>
         <p:spPr/>
@@ -5316,7 +5176,7 @@
     </p:spTree>
     <p:extLst>
       <p:ext uri="{BB962C8B-B14F-4D97-AF65-F5344CB8AC3E}">
-        <p14:creationId xmlns:p14="http://schemas.microsoft.com/office/powerpoint/2010/main" val="3740187100"/>
+        <p14:creationId xmlns:p14="http://schemas.microsoft.com/office/powerpoint/2010/main" val="1938863194"/>
       </p:ext>
     </p:extLst>
   </p:cSld>
@@ -5373,23 +5233,27 @@
       </p:sp>
       <p:sp>
         <p:nvSpPr>
-          <p:cNvPr id="5" name="Text Placeholder 4">
-            <a:extLst>
-              <a:ext uri="{FF2B5EF4-FFF2-40B4-BE49-F238E27FC236}">
-                <a16:creationId xmlns:a16="http://schemas.microsoft.com/office/drawing/2014/main" id="{B0A36AC6-34F4-D349-9263-A5442865EDF9}"/>
-              </a:ext>
-            </a:extLst>
-          </p:cNvPr>
-          <p:cNvSpPr>
-            <a:spLocks noGrp="1"/>
-          </p:cNvSpPr>
-          <p:nvPr>
-            <p:ph type="body" sz="quarter" idx="3"/>
+          <p:cNvPr id="3" name="Text Placeholder 2">
+            <a:extLst>
+              <a:ext uri="{FF2B5EF4-FFF2-40B4-BE49-F238E27FC236}">
+                <a16:creationId xmlns:a16="http://schemas.microsoft.com/office/drawing/2014/main" id="{CFEDC40F-CD39-F440-CA02-0653339CCE29}"/>
+              </a:ext>
+            </a:extLst>
+          </p:cNvPr>
+          <p:cNvSpPr>
+            <a:spLocks noGrp="1"/>
+          </p:cNvSpPr>
+          <p:nvPr>
+            <p:ph type="body" idx="1"/>
           </p:nvPr>
         </p:nvSpPr>
         <p:spPr>
+          <a:xfrm>
+            <a:off x="862014" y="1681163"/>
+            <a:ext cx="5157787" cy="823912"/>
+          </a:xfrm>
           <a:solidFill>
-            <a:schemeClr val="accent4">
+            <a:schemeClr val="accent2">
               <a:lumMod val="60000"/>
               <a:lumOff val="40000"/>
             </a:schemeClr>
@@ -5401,30 +5265,38 @@
           <a:p>
             <a:r>
               <a:rPr lang="en-US" dirty="0"/>
-              <a:t>Browser 2 @ Server View</a:t>
-            </a:r>
-          </a:p>
-        </p:txBody>
-      </p:sp>
-      <p:sp>
-        <p:nvSpPr>
-          <p:cNvPr id="6" name="Content Placeholder 5">
-            <a:extLst>
-              <a:ext uri="{FF2B5EF4-FFF2-40B4-BE49-F238E27FC236}">
-                <a16:creationId xmlns:a16="http://schemas.microsoft.com/office/drawing/2014/main" id="{D3C49732-D778-AD14-F4D7-CD85DE7A99FA}"/>
-              </a:ext>
-            </a:extLst>
-          </p:cNvPr>
-          <p:cNvSpPr>
-            <a:spLocks noGrp="1"/>
-          </p:cNvSpPr>
-          <p:nvPr>
-            <p:ph sz="quarter" idx="4"/>
+              <a:t>Browser 1 @ Host View &gt; </a:t>
+            </a:r>
+            <a:r>
+              <a:rPr lang="en-US" dirty="0" err="1"/>
+              <a:t>BOH:route</a:t>
+            </a:r>
+            <a:r>
+              <a:rPr lang="en-US" dirty="0"/>
+              <a:t> K</a:t>
+            </a:r>
+          </a:p>
+        </p:txBody>
+      </p:sp>
+      <p:sp>
+        <p:nvSpPr>
+          <p:cNvPr id="4" name="Content Placeholder 3">
+            <a:extLst>
+              <a:ext uri="{FF2B5EF4-FFF2-40B4-BE49-F238E27FC236}">
+                <a16:creationId xmlns:a16="http://schemas.microsoft.com/office/drawing/2014/main" id="{807D1356-130E-51D6-B6FF-66A72D9D9223}"/>
+              </a:ext>
+            </a:extLst>
+          </p:cNvPr>
+          <p:cNvSpPr>
+            <a:spLocks noGrp="1"/>
+          </p:cNvSpPr>
+          <p:nvPr>
+            <p:ph sz="half" idx="2"/>
           </p:nvPr>
         </p:nvSpPr>
         <p:spPr>
           <a:solidFill>
-            <a:schemeClr val="accent4">
+            <a:schemeClr val="accent2">
               <a:lumMod val="60000"/>
               <a:lumOff val="40000"/>
             </a:schemeClr>
@@ -5438,43 +5310,37 @@
           <a:p>
             <a:r>
               <a:rPr lang="en-US" dirty="0"/>
-              <a:t>Add a mix of menu items to ticket and SUBMIT</a:t>
-            </a:r>
-          </a:p>
-          <a:p>
-            <a:r>
-              <a:rPr lang="en-US" i="1" u="sng" dirty="0"/>
-              <a:t>Make at least 6 submissions of varying sizes to the kitchen.</a:t>
-            </a:r>
-          </a:p>
-          <a:p>
-            <a:r>
-              <a:rPr lang="en-US" i="1" u="sng" dirty="0"/>
-              <a:t>Some very short, some long and scrollable</a:t>
-            </a:r>
-          </a:p>
-          <a:p>
-            <a:r>
-              <a:rPr lang="en-US" b="1" dirty="0"/>
-              <a:t>Cancel and edit a few of the items (to show on BOH later)</a:t>
-            </a:r>
-          </a:p>
-        </p:txBody>
-      </p:sp>
-      <p:sp>
-        <p:nvSpPr>
-          <p:cNvPr id="8" name="Text Placeholder 7">
-            <a:extLst>
-              <a:ext uri="{FF2B5EF4-FFF2-40B4-BE49-F238E27FC236}">
-                <a16:creationId xmlns:a16="http://schemas.microsoft.com/office/drawing/2014/main" id="{2AD3DA93-666D-C087-5237-BCE3FA721418}"/>
-              </a:ext>
-            </a:extLst>
-          </p:cNvPr>
-          <p:cNvSpPr>
-            <a:spLocks noGrp="1"/>
-          </p:cNvSpPr>
-          <p:nvPr>
-            <p:ph type="body" idx="1"/>
+              <a:t>Logout</a:t>
+            </a:r>
+          </a:p>
+          <a:p>
+            <a:r>
+              <a:rPr lang="en-US" dirty="0"/>
+              <a:t>Login to Terminal route ‘K’</a:t>
+            </a:r>
+          </a:p>
+          <a:p>
+            <a:r>
+              <a:rPr lang="en-US" dirty="0"/>
+              <a:t>Mark a few items as ready</a:t>
+            </a:r>
+          </a:p>
+        </p:txBody>
+      </p:sp>
+      <p:sp>
+        <p:nvSpPr>
+          <p:cNvPr id="8" name="Content Placeholder 7">
+            <a:extLst>
+              <a:ext uri="{FF2B5EF4-FFF2-40B4-BE49-F238E27FC236}">
+                <a16:creationId xmlns:a16="http://schemas.microsoft.com/office/drawing/2014/main" id="{D785FD5B-7781-7BEC-90C3-F9BE812B81C9}"/>
+              </a:ext>
+            </a:extLst>
+          </p:cNvPr>
+          <p:cNvSpPr>
+            <a:spLocks noGrp="1"/>
+          </p:cNvSpPr>
+          <p:nvPr>
+            <p:ph sz="quarter" idx="4"/>
           </p:nvPr>
         </p:nvSpPr>
         <p:spPr/>
@@ -5488,18 +5354,18 @@
       </p:sp>
       <p:sp>
         <p:nvSpPr>
-          <p:cNvPr id="10" name="Content Placeholder 9">
-            <a:extLst>
-              <a:ext uri="{FF2B5EF4-FFF2-40B4-BE49-F238E27FC236}">
-                <a16:creationId xmlns:a16="http://schemas.microsoft.com/office/drawing/2014/main" id="{420F0173-54E7-CF0F-3E0A-C896D661F33E}"/>
-              </a:ext>
-            </a:extLst>
-          </p:cNvPr>
-          <p:cNvSpPr>
-            <a:spLocks noGrp="1"/>
-          </p:cNvSpPr>
-          <p:nvPr>
-            <p:ph sz="half" idx="2"/>
+          <p:cNvPr id="10" name="Text Placeholder 9">
+            <a:extLst>
+              <a:ext uri="{FF2B5EF4-FFF2-40B4-BE49-F238E27FC236}">
+                <a16:creationId xmlns:a16="http://schemas.microsoft.com/office/drawing/2014/main" id="{144CBCE3-D542-316F-231C-718B794A2EFE}"/>
+              </a:ext>
+            </a:extLst>
+          </p:cNvPr>
+          <p:cNvSpPr>
+            <a:spLocks noGrp="1"/>
+          </p:cNvSpPr>
+          <p:nvPr>
+            <p:ph type="body" sz="quarter" idx="3"/>
           </p:nvPr>
         </p:nvSpPr>
         <p:spPr/>
@@ -5514,7 +5380,7 @@
     </p:spTree>
     <p:extLst>
       <p:ext uri="{BB962C8B-B14F-4D97-AF65-F5344CB8AC3E}">
-        <p14:creationId xmlns:p14="http://schemas.microsoft.com/office/powerpoint/2010/main" val="1938863194"/>
+        <p14:creationId xmlns:p14="http://schemas.microsoft.com/office/powerpoint/2010/main" val="12771272"/>
       </p:ext>
     </p:extLst>
   </p:cSld>
@@ -5571,27 +5437,23 @@
       </p:sp>
       <p:sp>
         <p:nvSpPr>
-          <p:cNvPr id="3" name="Text Placeholder 2">
-            <a:extLst>
-              <a:ext uri="{FF2B5EF4-FFF2-40B4-BE49-F238E27FC236}">
-                <a16:creationId xmlns:a16="http://schemas.microsoft.com/office/drawing/2014/main" id="{CFEDC40F-CD39-F440-CA02-0653339CCE29}"/>
-              </a:ext>
-            </a:extLst>
-          </p:cNvPr>
-          <p:cNvSpPr>
-            <a:spLocks noGrp="1"/>
-          </p:cNvSpPr>
-          <p:nvPr>
-            <p:ph type="body" idx="1"/>
+          <p:cNvPr id="5" name="Text Placeholder 4">
+            <a:extLst>
+              <a:ext uri="{FF2B5EF4-FFF2-40B4-BE49-F238E27FC236}">
+                <a16:creationId xmlns:a16="http://schemas.microsoft.com/office/drawing/2014/main" id="{B0A36AC6-34F4-D349-9263-A5442865EDF9}"/>
+              </a:ext>
+            </a:extLst>
+          </p:cNvPr>
+          <p:cNvSpPr>
+            <a:spLocks noGrp="1"/>
+          </p:cNvSpPr>
+          <p:nvPr>
+            <p:ph type="body" sz="quarter" idx="3"/>
           </p:nvPr>
         </p:nvSpPr>
         <p:spPr>
-          <a:xfrm>
-            <a:off x="862014" y="1681163"/>
-            <a:ext cx="5157787" cy="823912"/>
-          </a:xfrm>
           <a:solidFill>
-            <a:schemeClr val="accent2">
+            <a:schemeClr val="accent4">
               <a:lumMod val="60000"/>
               <a:lumOff val="40000"/>
             </a:schemeClr>
@@ -5603,38 +5465,30 @@
           <a:p>
             <a:r>
               <a:rPr lang="en-US" dirty="0"/>
-              <a:t>Browser 1 @ Host View &gt; </a:t>
-            </a:r>
-            <a:r>
-              <a:rPr lang="en-US" dirty="0" err="1"/>
-              <a:t>BOH:route</a:t>
-            </a:r>
-            <a:r>
-              <a:rPr lang="en-US" dirty="0"/>
-              <a:t> K</a:t>
-            </a:r>
-          </a:p>
-        </p:txBody>
-      </p:sp>
-      <p:sp>
-        <p:nvSpPr>
-          <p:cNvPr id="4" name="Content Placeholder 3">
-            <a:extLst>
-              <a:ext uri="{FF2B5EF4-FFF2-40B4-BE49-F238E27FC236}">
-                <a16:creationId xmlns:a16="http://schemas.microsoft.com/office/drawing/2014/main" id="{807D1356-130E-51D6-B6FF-66A72D9D9223}"/>
-              </a:ext>
-            </a:extLst>
-          </p:cNvPr>
-          <p:cNvSpPr>
-            <a:spLocks noGrp="1"/>
-          </p:cNvSpPr>
-          <p:nvPr>
-            <p:ph sz="half" idx="2"/>
+              <a:t>Browser 2 @ Server View</a:t>
+            </a:r>
+          </a:p>
+        </p:txBody>
+      </p:sp>
+      <p:sp>
+        <p:nvSpPr>
+          <p:cNvPr id="6" name="Content Placeholder 5">
+            <a:extLst>
+              <a:ext uri="{FF2B5EF4-FFF2-40B4-BE49-F238E27FC236}">
+                <a16:creationId xmlns:a16="http://schemas.microsoft.com/office/drawing/2014/main" id="{D3C49732-D778-AD14-F4D7-CD85DE7A99FA}"/>
+              </a:ext>
+            </a:extLst>
+          </p:cNvPr>
+          <p:cNvSpPr>
+            <a:spLocks noGrp="1"/>
+          </p:cNvSpPr>
+          <p:nvPr>
+            <p:ph sz="quarter" idx="4"/>
           </p:nvPr>
         </p:nvSpPr>
         <p:spPr>
           <a:solidFill>
-            <a:schemeClr val="accent2">
+            <a:schemeClr val="accent4">
               <a:lumMod val="60000"/>
               <a:lumOff val="40000"/>
             </a:schemeClr>
@@ -5647,38 +5501,42 @@
           <a:lstStyle/>
           <a:p>
             <a:r>
-              <a:rPr lang="en-US" dirty="0"/>
-              <a:t>Logout</a:t>
-            </a:r>
-          </a:p>
-          <a:p>
-            <a:r>
-              <a:rPr lang="en-US" dirty="0"/>
-              <a:t>Login to Terminal route ‘K’</a:t>
-            </a:r>
-          </a:p>
-          <a:p>
-            <a:r>
-              <a:rPr lang="en-US" dirty="0"/>
-              <a:t>Mark a few items as ready</a:t>
-            </a:r>
-          </a:p>
-        </p:txBody>
-      </p:sp>
-      <p:sp>
-        <p:nvSpPr>
-          <p:cNvPr id="8" name="Content Placeholder 7">
-            <a:extLst>
-              <a:ext uri="{FF2B5EF4-FFF2-40B4-BE49-F238E27FC236}">
-                <a16:creationId xmlns:a16="http://schemas.microsoft.com/office/drawing/2014/main" id="{D785FD5B-7781-7BEC-90C3-F9BE812B81C9}"/>
-              </a:ext>
-            </a:extLst>
-          </p:cNvPr>
-          <p:cNvSpPr>
-            <a:spLocks noGrp="1"/>
-          </p:cNvSpPr>
-          <p:nvPr>
-            <p:ph sz="quarter" idx="4"/>
+              <a:rPr lang="en-US" b="1" dirty="0"/>
+              <a:t>DELIVER the items Kitchen marked as ready</a:t>
+            </a:r>
+            <a:br>
+              <a:rPr lang="en-US" b="1" dirty="0"/>
+            </a:br>
+            <a:br>
+              <a:rPr lang="en-US" b="1" dirty="0"/>
+            </a:br>
+            <a:br>
+              <a:rPr lang="en-US" b="1" dirty="0"/>
+            </a:br>
+            <a:br>
+              <a:rPr lang="en-US" b="1" dirty="0"/>
+            </a:br>
+            <a:r>
+              <a:rPr lang="en-US" b="1" dirty="0"/>
+              <a:t>END OF SETUP ON THIS BROWSER…. STAY LOGGED IN ON THE SERVER VIEW</a:t>
+            </a:r>
+          </a:p>
+        </p:txBody>
+      </p:sp>
+      <p:sp>
+        <p:nvSpPr>
+          <p:cNvPr id="8" name="Text Placeholder 7">
+            <a:extLst>
+              <a:ext uri="{FF2B5EF4-FFF2-40B4-BE49-F238E27FC236}">
+                <a16:creationId xmlns:a16="http://schemas.microsoft.com/office/drawing/2014/main" id="{2AD3DA93-666D-C087-5237-BCE3FA721418}"/>
+              </a:ext>
+            </a:extLst>
+          </p:cNvPr>
+          <p:cNvSpPr>
+            <a:spLocks noGrp="1"/>
+          </p:cNvSpPr>
+          <p:nvPr>
+            <p:ph type="body" idx="1"/>
           </p:nvPr>
         </p:nvSpPr>
         <p:spPr/>
@@ -5692,18 +5550,18 @@
       </p:sp>
       <p:sp>
         <p:nvSpPr>
-          <p:cNvPr id="10" name="Text Placeholder 9">
-            <a:extLst>
-              <a:ext uri="{FF2B5EF4-FFF2-40B4-BE49-F238E27FC236}">
-                <a16:creationId xmlns:a16="http://schemas.microsoft.com/office/drawing/2014/main" id="{144CBCE3-D542-316F-231C-718B794A2EFE}"/>
-              </a:ext>
-            </a:extLst>
-          </p:cNvPr>
-          <p:cNvSpPr>
-            <a:spLocks noGrp="1"/>
-          </p:cNvSpPr>
-          <p:nvPr>
-            <p:ph type="body" sz="quarter" idx="3"/>
+          <p:cNvPr id="10" name="Content Placeholder 9">
+            <a:extLst>
+              <a:ext uri="{FF2B5EF4-FFF2-40B4-BE49-F238E27FC236}">
+                <a16:creationId xmlns:a16="http://schemas.microsoft.com/office/drawing/2014/main" id="{420F0173-54E7-CF0F-3E0A-C896D661F33E}"/>
+              </a:ext>
+            </a:extLst>
+          </p:cNvPr>
+          <p:cNvSpPr>
+            <a:spLocks noGrp="1"/>
+          </p:cNvSpPr>
+          <p:nvPr>
+            <p:ph sz="half" idx="2"/>
           </p:nvPr>
         </p:nvSpPr>
         <p:spPr/>
@@ -5718,7 +5576,7 @@
     </p:spTree>
     <p:extLst>
       <p:ext uri="{BB962C8B-B14F-4D97-AF65-F5344CB8AC3E}">
-        <p14:creationId xmlns:p14="http://schemas.microsoft.com/office/powerpoint/2010/main" val="12771272"/>
+        <p14:creationId xmlns:p14="http://schemas.microsoft.com/office/powerpoint/2010/main" val="1498275881"/>
       </p:ext>
     </p:extLst>
   </p:cSld>
@@ -5775,23 +5633,23 @@
       </p:sp>
       <p:sp>
         <p:nvSpPr>
-          <p:cNvPr id="5" name="Text Placeholder 4">
-            <a:extLst>
-              <a:ext uri="{FF2B5EF4-FFF2-40B4-BE49-F238E27FC236}">
-                <a16:creationId xmlns:a16="http://schemas.microsoft.com/office/drawing/2014/main" id="{B0A36AC6-34F4-D349-9263-A5442865EDF9}"/>
-              </a:ext>
-            </a:extLst>
-          </p:cNvPr>
-          <p:cNvSpPr>
-            <a:spLocks noGrp="1"/>
-          </p:cNvSpPr>
-          <p:nvPr>
-            <p:ph type="body" sz="quarter" idx="3"/>
+          <p:cNvPr id="3" name="Text Placeholder 2">
+            <a:extLst>
+              <a:ext uri="{FF2B5EF4-FFF2-40B4-BE49-F238E27FC236}">
+                <a16:creationId xmlns:a16="http://schemas.microsoft.com/office/drawing/2014/main" id="{CFEDC40F-CD39-F440-CA02-0653339CCE29}"/>
+              </a:ext>
+            </a:extLst>
+          </p:cNvPr>
+          <p:cNvSpPr>
+            <a:spLocks noGrp="1"/>
+          </p:cNvSpPr>
+          <p:nvPr>
+            <p:ph type="body" idx="1"/>
           </p:nvPr>
         </p:nvSpPr>
         <p:spPr>
           <a:solidFill>
-            <a:schemeClr val="accent4">
+            <a:schemeClr val="accent2">
               <a:lumMod val="60000"/>
               <a:lumOff val="40000"/>
             </a:schemeClr>
@@ -5801,32 +5659,41 @@
           <a:bodyPr/>
           <a:lstStyle/>
           <a:p>
-            <a:r>
-              <a:rPr lang="en-US" dirty="0"/>
-              <a:t>Browser 2 @ Server View</a:t>
-            </a:r>
-          </a:p>
-        </p:txBody>
-      </p:sp>
-      <p:sp>
-        <p:nvSpPr>
-          <p:cNvPr id="6" name="Content Placeholder 5">
-            <a:extLst>
-              <a:ext uri="{FF2B5EF4-FFF2-40B4-BE49-F238E27FC236}">
-                <a16:creationId xmlns:a16="http://schemas.microsoft.com/office/drawing/2014/main" id="{D3C49732-D778-AD14-F4D7-CD85DE7A99FA}"/>
-              </a:ext>
-            </a:extLst>
-          </p:cNvPr>
-          <p:cNvSpPr>
-            <a:spLocks noGrp="1"/>
-          </p:cNvSpPr>
-          <p:nvPr>
-            <p:ph sz="quarter" idx="4"/>
+            <a:pPr algn="r"/>
+            <a:r>
+              <a:rPr lang="en-US" dirty="0"/>
+              <a:t>Browser 1 @ </a:t>
+            </a:r>
+            <a:r>
+              <a:rPr lang="en-US" dirty="0" err="1"/>
+              <a:t>BOH:route</a:t>
+            </a:r>
+            <a:r>
+              <a:rPr lang="en-US" dirty="0"/>
+              <a:t> K &gt; Employee Roster</a:t>
+            </a:r>
+          </a:p>
+        </p:txBody>
+      </p:sp>
+      <p:sp>
+        <p:nvSpPr>
+          <p:cNvPr id="4" name="Content Placeholder 3">
+            <a:extLst>
+              <a:ext uri="{FF2B5EF4-FFF2-40B4-BE49-F238E27FC236}">
+                <a16:creationId xmlns:a16="http://schemas.microsoft.com/office/drawing/2014/main" id="{807D1356-130E-51D6-B6FF-66A72D9D9223}"/>
+              </a:ext>
+            </a:extLst>
+          </p:cNvPr>
+          <p:cNvSpPr>
+            <a:spLocks noGrp="1"/>
+          </p:cNvSpPr>
+          <p:nvPr>
+            <p:ph sz="half" idx="2"/>
           </p:nvPr>
         </p:nvSpPr>
         <p:spPr>
           <a:solidFill>
-            <a:schemeClr val="accent4">
+            <a:schemeClr val="accent2">
               <a:lumMod val="60000"/>
               <a:lumOff val="40000"/>
             </a:schemeClr>
@@ -5839,42 +5706,63 @@
           <a:lstStyle/>
           <a:p>
             <a:r>
+              <a:rPr lang="en-US" dirty="0"/>
+              <a:t>Login as Admin</a:t>
+            </a:r>
+          </a:p>
+          <a:p>
+            <a:r>
+              <a:rPr lang="en-US" dirty="0"/>
+              <a:t>Go to Employee Roster</a:t>
+            </a:r>
+          </a:p>
+          <a:p>
+            <a:r>
+              <a:rPr lang="en-US" dirty="0"/>
+              <a:t>Create ‘passphrase’ password for </a:t>
+            </a:r>
+            <a:r>
+              <a:rPr lang="en-US" dirty="0" err="1"/>
+              <a:t>shemp</a:t>
+            </a:r>
+            <a:endParaRPr lang="en-US" dirty="0"/>
+          </a:p>
+          <a:p>
+            <a:r>
+              <a:rPr lang="en-US" dirty="0"/>
+              <a:t>Delete yourself…no admins/manager on </a:t>
+            </a:r>
+            <a:r>
+              <a:rPr lang="en-US" dirty="0" err="1"/>
+              <a:t>db</a:t>
+            </a:r>
+            <a:r>
+              <a:rPr lang="en-US" dirty="0"/>
+              <a:t> anymore</a:t>
+            </a:r>
+          </a:p>
+          <a:p>
+            <a:r>
               <a:rPr lang="en-US" b="1" dirty="0"/>
-              <a:t>DELIVER the items Kitchen marked as ready</a:t>
-            </a:r>
-            <a:br>
-              <a:rPr lang="en-US" b="1" dirty="0"/>
-            </a:br>
-            <a:br>
-              <a:rPr lang="en-US" b="1" dirty="0"/>
-            </a:br>
-            <a:br>
-              <a:rPr lang="en-US" b="1" dirty="0"/>
-            </a:br>
-            <a:br>
-              <a:rPr lang="en-US" b="1" dirty="0"/>
-            </a:br>
-            <a:r>
-              <a:rPr lang="en-US" b="1" dirty="0"/>
-              <a:t>END OF SETUP ON THIS BROWSER…. STAY LOGGED IN ON THE SERVER VIEW</a:t>
-            </a:r>
-          </a:p>
-        </p:txBody>
-      </p:sp>
-      <p:sp>
-        <p:nvSpPr>
-          <p:cNvPr id="8" name="Text Placeholder 7">
-            <a:extLst>
-              <a:ext uri="{FF2B5EF4-FFF2-40B4-BE49-F238E27FC236}">
-                <a16:creationId xmlns:a16="http://schemas.microsoft.com/office/drawing/2014/main" id="{2AD3DA93-666D-C087-5237-BCE3FA721418}"/>
-              </a:ext>
-            </a:extLst>
-          </p:cNvPr>
-          <p:cNvSpPr>
-            <a:spLocks noGrp="1"/>
-          </p:cNvSpPr>
-          <p:nvPr>
-            <p:ph type="body" idx="1"/>
+              <a:t>END OF SETUP </a:t>
+            </a:r>
+          </a:p>
+        </p:txBody>
+      </p:sp>
+      <p:sp>
+        <p:nvSpPr>
+          <p:cNvPr id="8" name="Content Placeholder 7">
+            <a:extLst>
+              <a:ext uri="{FF2B5EF4-FFF2-40B4-BE49-F238E27FC236}">
+                <a16:creationId xmlns:a16="http://schemas.microsoft.com/office/drawing/2014/main" id="{D785FD5B-7781-7BEC-90C3-F9BE812B81C9}"/>
+              </a:ext>
+            </a:extLst>
+          </p:cNvPr>
+          <p:cNvSpPr>
+            <a:spLocks noGrp="1"/>
+          </p:cNvSpPr>
+          <p:nvPr>
+            <p:ph sz="quarter" idx="4"/>
           </p:nvPr>
         </p:nvSpPr>
         <p:spPr/>
@@ -5888,18 +5776,18 @@
       </p:sp>
       <p:sp>
         <p:nvSpPr>
-          <p:cNvPr id="10" name="Content Placeholder 9">
-            <a:extLst>
-              <a:ext uri="{FF2B5EF4-FFF2-40B4-BE49-F238E27FC236}">
-                <a16:creationId xmlns:a16="http://schemas.microsoft.com/office/drawing/2014/main" id="{420F0173-54E7-CF0F-3E0A-C896D661F33E}"/>
-              </a:ext>
-            </a:extLst>
-          </p:cNvPr>
-          <p:cNvSpPr>
-            <a:spLocks noGrp="1"/>
-          </p:cNvSpPr>
-          <p:nvPr>
-            <p:ph sz="half" idx="2"/>
+          <p:cNvPr id="10" name="Text Placeholder 9">
+            <a:extLst>
+              <a:ext uri="{FF2B5EF4-FFF2-40B4-BE49-F238E27FC236}">
+                <a16:creationId xmlns:a16="http://schemas.microsoft.com/office/drawing/2014/main" id="{144CBCE3-D542-316F-231C-718B794A2EFE}"/>
+              </a:ext>
+            </a:extLst>
+          </p:cNvPr>
+          <p:cNvSpPr>
+            <a:spLocks noGrp="1"/>
+          </p:cNvSpPr>
+          <p:nvPr>
+            <p:ph type="body" sz="quarter" idx="3"/>
           </p:nvPr>
         </p:nvSpPr>
         <p:spPr/>
@@ -5914,7 +5802,7 @@
     </p:spTree>
     <p:extLst>
       <p:ext uri="{BB962C8B-B14F-4D97-AF65-F5344CB8AC3E}">
-        <p14:creationId xmlns:p14="http://schemas.microsoft.com/office/powerpoint/2010/main" val="1498275881"/>
+        <p14:creationId xmlns:p14="http://schemas.microsoft.com/office/powerpoint/2010/main" val="642790278"/>
       </p:ext>
     </p:extLst>
   </p:cSld>
@@ -5959,12 +5847,25 @@
         </p:nvSpPr>
         <p:spPr/>
         <p:txBody>
-          <a:bodyPr/>
-          <a:lstStyle/>
-          <a:p>
-            <a:r>
-              <a:rPr lang="en-US" dirty="0"/>
-              <a:t>Sprint 3 Setup</a:t>
+          <a:bodyPr>
+            <a:normAutofit fontScale="90000"/>
+          </a:bodyPr>
+          <a:lstStyle/>
+          <a:p>
+            <a:r>
+              <a:rPr lang="en-US" dirty="0"/>
+              <a:t>Sprint 3 Demo</a:t>
+            </a:r>
+            <a:br>
+              <a:rPr lang="en-US" dirty="0"/>
+            </a:br>
+            <a:r>
+              <a:rPr lang="en-US" dirty="0"/>
+              <a:t> </a:t>
+            </a:r>
+            <a:r>
+              <a:rPr lang="en-US" b="1" dirty="0"/>
+              <a:t>Admin Account Creation / Password Reset (ANDY)</a:t>
             </a:r>
           </a:p>
         </p:txBody>
@@ -5994,21 +5895,14 @@
           </a:solidFill>
         </p:spPr>
         <p:txBody>
-          <a:bodyPr/>
-          <a:lstStyle/>
-          <a:p>
-            <a:pPr algn="r"/>
-            <a:r>
-              <a:rPr lang="en-US" dirty="0"/>
-              <a:t>Browser 1 @ </a:t>
-            </a:r>
-            <a:r>
-              <a:rPr lang="en-US" dirty="0" err="1"/>
-              <a:t>BOH:route</a:t>
-            </a:r>
-            <a:r>
-              <a:rPr lang="en-US" dirty="0"/>
-              <a:t> K &gt; Employee Roster</a:t>
+          <a:bodyPr>
+            <a:normAutofit/>
+          </a:bodyPr>
+          <a:lstStyle/>
+          <a:p>
+            <a:r>
+              <a:rPr lang="en-US" dirty="0"/>
+              <a:t>Recording @ Admin Creation Page</a:t>
             </a:r>
           </a:p>
         </p:txBody>
@@ -6045,79 +5939,81 @@
           <a:p>
             <a:r>
               <a:rPr lang="en-US" dirty="0"/>
-              <a:t>Login as Admin</a:t>
-            </a:r>
-          </a:p>
-          <a:p>
-            <a:r>
-              <a:rPr lang="en-US" dirty="0"/>
-              <a:t>Go to Employee Roster</a:t>
-            </a:r>
-          </a:p>
-          <a:p>
-            <a:r>
-              <a:rPr lang="en-US" dirty="0"/>
-              <a:t>Create ‘passphrase’ password for </a:t>
+              <a:t>Create a manager account</a:t>
+            </a:r>
+          </a:p>
+          <a:p>
+            <a:r>
+              <a:rPr lang="en-US" dirty="0"/>
+              <a:t>Proceed to login page</a:t>
+            </a:r>
+          </a:p>
+          <a:p>
+            <a:r>
+              <a:rPr lang="en-US" dirty="0"/>
+              <a:t>Clear form</a:t>
+            </a:r>
+          </a:p>
+          <a:p>
+            <a:r>
+              <a:rPr lang="en-US" dirty="0"/>
+              <a:t>Enter </a:t>
             </a:r>
             <a:r>
               <a:rPr lang="en-US" dirty="0" err="1"/>
               <a:t>shemp</a:t>
             </a:r>
+            <a:r>
+              <a:rPr lang="en-US" dirty="0"/>
+              <a:t> name and </a:t>
+            </a:r>
+            <a:r>
+              <a:rPr lang="en-US" dirty="0" err="1"/>
+              <a:t>tmp</a:t>
+            </a:r>
+            <a:r>
+              <a:rPr lang="en-US" dirty="0"/>
+              <a:t> </a:t>
+            </a:r>
+            <a:r>
+              <a:rPr lang="en-US" dirty="0" err="1"/>
+              <a:t>pwd</a:t>
+            </a:r>
             <a:endParaRPr lang="en-US" dirty="0"/>
           </a:p>
           <a:p>
             <a:r>
               <a:rPr lang="en-US" dirty="0"/>
-              <a:t>Delete yourself…no admins/manager on </a:t>
-            </a:r>
-            <a:r>
-              <a:rPr lang="en-US" dirty="0" err="1"/>
-              <a:t>db</a:t>
-            </a:r>
-            <a:r>
-              <a:rPr lang="en-US" dirty="0"/>
-              <a:t> anymore</a:t>
-            </a:r>
-          </a:p>
-          <a:p>
+              <a:t>Change his password. </a:t>
+            </a:r>
             <a:r>
               <a:rPr lang="en-US" b="1" dirty="0"/>
-              <a:t>END OF SETUP </a:t>
-            </a:r>
-          </a:p>
-        </p:txBody>
-      </p:sp>
-      <p:sp>
-        <p:nvSpPr>
-          <p:cNvPr id="8" name="Content Placeholder 7">
-            <a:extLst>
-              <a:ext uri="{FF2B5EF4-FFF2-40B4-BE49-F238E27FC236}">
-                <a16:creationId xmlns:a16="http://schemas.microsoft.com/office/drawing/2014/main" id="{D785FD5B-7781-7BEC-90C3-F9BE812B81C9}"/>
-              </a:ext>
-            </a:extLst>
-          </p:cNvPr>
-          <p:cNvSpPr>
-            <a:spLocks noGrp="1"/>
-          </p:cNvSpPr>
-          <p:nvPr>
-            <p:ph sz="quarter" idx="4"/>
-          </p:nvPr>
-        </p:nvSpPr>
-        <p:spPr/>
-        <p:txBody>
-          <a:bodyPr/>
-          <a:lstStyle/>
-          <a:p>
-            <a:endParaRPr lang="en-US"/>
-          </a:p>
-        </p:txBody>
-      </p:sp>
-      <p:sp>
-        <p:nvSpPr>
-          <p:cNvPr id="10" name="Text Placeholder 9">
-            <a:extLst>
-              <a:ext uri="{FF2B5EF4-FFF2-40B4-BE49-F238E27FC236}">
-                <a16:creationId xmlns:a16="http://schemas.microsoft.com/office/drawing/2014/main" id="{144CBCE3-D542-316F-231C-718B794A2EFE}"/>
+              <a:t>Don’t log in as </a:t>
+            </a:r>
+            <a:r>
+              <a:rPr lang="en-US" b="1" dirty="0" err="1"/>
+              <a:t>shemp</a:t>
+            </a:r>
+            <a:r>
+              <a:rPr lang="en-US" b="1" dirty="0"/>
+              <a:t>. Clear form</a:t>
+            </a:r>
+          </a:p>
+          <a:p>
+            <a:r>
+              <a:rPr lang="en-US" b="1" dirty="0"/>
+              <a:t>Login as manager/admin</a:t>
+            </a:r>
+            <a:endParaRPr lang="en-US" dirty="0"/>
+          </a:p>
+        </p:txBody>
+      </p:sp>
+      <p:sp>
+        <p:nvSpPr>
+          <p:cNvPr id="8" name="Text Placeholder 7">
+            <a:extLst>
+              <a:ext uri="{FF2B5EF4-FFF2-40B4-BE49-F238E27FC236}">
+                <a16:creationId xmlns:a16="http://schemas.microsoft.com/office/drawing/2014/main" id="{862EE68D-064C-F641-0F08-20730A479C31}"/>
               </a:ext>
             </a:extLst>
           </p:cNvPr>
@@ -6133,14 +6029,17 @@
           <a:bodyPr/>
           <a:lstStyle/>
           <a:p>
-            <a:endParaRPr lang="en-US"/>
+            <a:r>
+              <a:rPr lang="en-US" dirty="0"/>
+              <a:t>Hand control of presentation over to DONOVAN when you’re done</a:t>
+            </a:r>
           </a:p>
         </p:txBody>
       </p:sp>
     </p:spTree>
     <p:extLst>
       <p:ext uri="{BB962C8B-B14F-4D97-AF65-F5344CB8AC3E}">
-        <p14:creationId xmlns:p14="http://schemas.microsoft.com/office/powerpoint/2010/main" val="642790278"/>
+        <p14:creationId xmlns:p14="http://schemas.microsoft.com/office/powerpoint/2010/main" val="1454851726"/>
       </p:ext>
     </p:extLst>
   </p:cSld>
@@ -6186,7 +6085,7 @@
         <p:spPr/>
         <p:txBody>
           <a:bodyPr>
-            <a:normAutofit fontScale="90000"/>
+            <a:normAutofit/>
           </a:bodyPr>
           <a:lstStyle/>
           <a:p>
@@ -6203,7 +6102,7 @@
             </a:r>
             <a:r>
               <a:rPr lang="en-US" b="1" dirty="0"/>
-              <a:t>Admin Account Creation / Password Reset (ANDY)</a:t>
+              <a:t>Employee Roster Functionality (DONOVAN)</a:t>
             </a:r>
           </a:p>
         </p:txBody>
@@ -6240,7 +6139,7 @@
           <a:p>
             <a:r>
               <a:rPr lang="en-US" dirty="0"/>
-              <a:t>Recording @ Admin Creation Page</a:t>
+              <a:t>Recording @ Employee Roster</a:t>
             </a:r>
           </a:p>
         </p:txBody>
@@ -6271,31 +6170,27 @@
         </p:spPr>
         <p:txBody>
           <a:bodyPr>
-            <a:normAutofit/>
+            <a:normAutofit fontScale="92500" lnSpcReduction="10000"/>
           </a:bodyPr>
           <a:lstStyle/>
           <a:p>
             <a:r>
               <a:rPr lang="en-US" dirty="0"/>
-              <a:t>Create a manager account</a:t>
-            </a:r>
-          </a:p>
-          <a:p>
-            <a:r>
-              <a:rPr lang="en-US" dirty="0"/>
-              <a:t>Proceed to login page</a:t>
-            </a:r>
-          </a:p>
-          <a:p>
-            <a:r>
-              <a:rPr lang="en-US" dirty="0"/>
-              <a:t>Clear form</a:t>
-            </a:r>
-          </a:p>
-          <a:p>
-            <a:r>
-              <a:rPr lang="en-US" dirty="0"/>
-              <a:t>Enter </a:t>
+              <a:t>Delete curly and </a:t>
+            </a:r>
+            <a:r>
+              <a:rPr lang="en-US" dirty="0" err="1"/>
+              <a:t>moe</a:t>
+            </a:r>
+            <a:r>
+              <a:rPr lang="en-US" dirty="0"/>
+              <a:t> with multiselect.</a:t>
+            </a:r>
+          </a:p>
+          <a:p>
+            <a:r>
+              <a:rPr lang="en-US" dirty="0"/>
+              <a:t>Select </a:t>
             </a:r>
             <a:r>
               <a:rPr lang="en-US" dirty="0" err="1"/>
@@ -6303,46 +6198,34 @@
             </a:r>
             <a:r>
               <a:rPr lang="en-US" dirty="0"/>
-              <a:t> name and </a:t>
+              <a:t>.</a:t>
+            </a:r>
+          </a:p>
+          <a:p>
+            <a:r>
+              <a:rPr lang="en-US" dirty="0"/>
+              <a:t>Click Edit</a:t>
+            </a:r>
+          </a:p>
+          <a:p>
+            <a:r>
+              <a:rPr lang="en-US" dirty="0"/>
+              <a:t>Change </a:t>
             </a:r>
             <a:r>
               <a:rPr lang="en-US" dirty="0" err="1"/>
-              <a:t>tmp</a:t>
-            </a:r>
-            <a:r>
-              <a:rPr lang="en-US" dirty="0"/>
-              <a:t> </a:t>
-            </a:r>
-            <a:r>
-              <a:rPr lang="en-US" dirty="0" err="1"/>
-              <a:t>pwd</a:t>
-            </a:r>
-            <a:endParaRPr lang="en-US" dirty="0"/>
-          </a:p>
-          <a:p>
-            <a:r>
-              <a:rPr lang="en-US" dirty="0"/>
-              <a:t>Change his password. </a:t>
-            </a:r>
+              <a:t>shemp’s</a:t>
+            </a:r>
+            <a:r>
+              <a:rPr lang="en-US" dirty="0"/>
+              <a:t> password and role.</a:t>
+            </a:r>
+          </a:p>
+          <a:p>
             <a:r>
               <a:rPr lang="en-US" b="1" dirty="0"/>
-              <a:t>Don’t log in as </a:t>
-            </a:r>
-            <a:r>
-              <a:rPr lang="en-US" b="1" dirty="0" err="1"/>
-              <a:t>shemp</a:t>
-            </a:r>
-            <a:r>
-              <a:rPr lang="en-US" b="1" dirty="0"/>
-              <a:t>. Clear form</a:t>
-            </a:r>
-          </a:p>
-          <a:p>
-            <a:r>
-              <a:rPr lang="en-US" b="1" dirty="0"/>
-              <a:t>Login as manager/admin</a:t>
-            </a:r>
-            <a:endParaRPr lang="en-US" dirty="0"/>
+              <a:t>Explain that password change here triggers what we saw at the very beginning of the demo.</a:t>
+            </a:r>
           </a:p>
         </p:txBody>
       </p:sp>
@@ -6369,7 +6252,7 @@
           <a:p>
             <a:r>
               <a:rPr lang="en-US" dirty="0"/>
-              <a:t>Hand control of presentation over to DONOVAN when you’re done</a:t>
+              <a:t>Hand control of presentation over to DAVID when you are finished</a:t>
             </a:r>
           </a:p>
         </p:txBody>
@@ -6377,7 +6260,7 @@
     </p:spTree>
     <p:extLst>
       <p:ext uri="{BB962C8B-B14F-4D97-AF65-F5344CB8AC3E}">
-        <p14:creationId xmlns:p14="http://schemas.microsoft.com/office/powerpoint/2010/main" val="1454851726"/>
+        <p14:creationId xmlns:p14="http://schemas.microsoft.com/office/powerpoint/2010/main" val="1346643186"/>
       </p:ext>
     </p:extLst>
   </p:cSld>
@@ -6440,7 +6323,7 @@
             </a:r>
             <a:r>
               <a:rPr lang="en-US" b="1" dirty="0"/>
-              <a:t>Employee Roster Functionality (DONOVAN)</a:t>
+              <a:t>Menu Editor Functionality (DAVID)</a:t>
             </a:r>
           </a:p>
         </p:txBody>
@@ -6477,7 +6360,7 @@
           <a:p>
             <a:r>
               <a:rPr lang="en-US" dirty="0"/>
-              <a:t>Recording @ Employee Roster</a:t>
+              <a:t>Recording @ Menu Editor</a:t>
             </a:r>
           </a:p>
         </p:txBody>
@@ -6508,89 +6391,133 @@
         </p:spPr>
         <p:txBody>
           <a:bodyPr>
-            <a:normAutofit fontScale="92500" lnSpcReduction="10000"/>
+            <a:normAutofit lnSpcReduction="10000"/>
           </a:bodyPr>
           <a:lstStyle/>
           <a:p>
             <a:r>
-              <a:rPr lang="en-US" dirty="0"/>
-              <a:t>Delete curly and </a:t>
-            </a:r>
-            <a:r>
-              <a:rPr lang="en-US" dirty="0" err="1"/>
-              <a:t>moe</a:t>
-            </a:r>
-            <a:r>
-              <a:rPr lang="en-US" dirty="0"/>
-              <a:t> with multiselect.</a:t>
-            </a:r>
-          </a:p>
-          <a:p>
-            <a:r>
-              <a:rPr lang="en-US" dirty="0"/>
-              <a:t>Select </a:t>
-            </a:r>
-            <a:r>
-              <a:rPr lang="en-US" dirty="0" err="1"/>
-              <a:t>shemp</a:t>
-            </a:r>
-            <a:r>
-              <a:rPr lang="en-US" dirty="0"/>
-              <a:t>.</a:t>
-            </a:r>
-          </a:p>
-          <a:p>
-            <a:r>
-              <a:rPr lang="en-US" dirty="0"/>
-              <a:t>Click Edit</a:t>
-            </a:r>
-          </a:p>
-          <a:p>
-            <a:r>
-              <a:rPr lang="en-US" dirty="0"/>
-              <a:t>Change </a:t>
-            </a:r>
-            <a:r>
-              <a:rPr lang="en-US" dirty="0" err="1"/>
-              <a:t>shemp’s</a:t>
-            </a:r>
-            <a:r>
-              <a:rPr lang="en-US" dirty="0"/>
-              <a:t> password and role.</a:t>
-            </a:r>
+              <a:rPr lang="en-US" sz="2400" b="1" dirty="0"/>
+              <a:t>CTRL + ENTER toggles between Menu Item and Menu Category editor, staying in the same category</a:t>
+            </a:r>
+          </a:p>
+          <a:p>
+            <a:r>
+              <a:rPr lang="en-US" sz="2400" b="1" dirty="0"/>
+              <a:t>CTRL + SHIFT + ENTER takes you 1 level up and routes to Menu Category editor.</a:t>
+            </a:r>
+          </a:p>
+          <a:p>
+            <a:r>
+              <a:rPr lang="en-US" sz="2400" b="1" dirty="0"/>
+              <a:t>CTRL + DELETE deletes selected item/cat if you can.</a:t>
+            </a:r>
+          </a:p>
+          <a:p>
+            <a:r>
+              <a:rPr lang="en-US" sz="2400" b="1" dirty="0"/>
+              <a:t>SHIFT + CLICK on New Category takes you 1 category level up</a:t>
+            </a:r>
+          </a:p>
+        </p:txBody>
+      </p:sp>
+      <p:sp>
+        <p:nvSpPr>
+          <p:cNvPr id="8" name="Text Placeholder 7">
+            <a:extLst>
+              <a:ext uri="{FF2B5EF4-FFF2-40B4-BE49-F238E27FC236}">
+                <a16:creationId xmlns:a16="http://schemas.microsoft.com/office/drawing/2014/main" id="{862EE68D-064C-F641-0F08-20730A479C31}"/>
+              </a:ext>
+            </a:extLst>
+          </p:cNvPr>
+          <p:cNvSpPr>
+            <a:spLocks noGrp="1"/>
+          </p:cNvSpPr>
+          <p:nvPr>
+            <p:ph type="body" sz="quarter" idx="3"/>
+          </p:nvPr>
+        </p:nvSpPr>
+        <p:spPr/>
+        <p:txBody>
+          <a:bodyPr/>
+          <a:lstStyle/>
+          <a:p>
+            <a:r>
+              <a:rPr lang="en-US" dirty="0"/>
+              <a:t>Add Category “Kids Menu”</a:t>
+            </a:r>
+          </a:p>
+        </p:txBody>
+      </p:sp>
+      <p:sp>
+        <p:nvSpPr>
+          <p:cNvPr id="7" name="TextBox 6">
+            <a:extLst>
+              <a:ext uri="{FF2B5EF4-FFF2-40B4-BE49-F238E27FC236}">
+                <a16:creationId xmlns:a16="http://schemas.microsoft.com/office/drawing/2014/main" id="{723C89D6-0036-6BCF-E60D-7C443E9C1672}"/>
+              </a:ext>
+            </a:extLst>
+          </p:cNvPr>
+          <p:cNvSpPr txBox="1"/>
+          <p:nvPr/>
+        </p:nvSpPr>
+        <p:spPr>
+          <a:xfrm>
+            <a:off x="6279502" y="2505075"/>
+            <a:ext cx="3554963" cy="3970318"/>
+          </a:xfrm>
+          <a:prstGeom prst="rect">
+            <a:avLst/>
+          </a:prstGeom>
+          <a:noFill/>
+        </p:spPr>
+        <p:txBody>
+          <a:bodyPr wrap="square" rtlCol="0">
+            <a:spAutoFit/>
+          </a:bodyPr>
+          <a:lstStyle/>
+          <a:p>
+            <a:r>
+              <a:rPr lang="en-US" dirty="0"/>
+              <a:t>Add A few menu items…. Chicken Nuggets, Corn Dog. </a:t>
+            </a:r>
+            <a:br>
+              <a:rPr lang="en-US" dirty="0"/>
+            </a:br>
+            <a:br>
+              <a:rPr lang="en-US" dirty="0"/>
+            </a:br>
+            <a:r>
+              <a:rPr lang="en-US" dirty="0"/>
+              <a:t>Mention that “all fields except menu item name are retained for rapid entry”….</a:t>
+            </a:r>
+            <a:br>
+              <a:rPr lang="en-US" dirty="0"/>
+            </a:br>
+            <a:br>
+              <a:rPr lang="en-US" dirty="0"/>
+            </a:br>
+            <a:r>
+              <a:rPr lang="en-US" dirty="0"/>
+              <a:t>Groups of items usually have the same price and route….</a:t>
+            </a:r>
+            <a:br>
+              <a:rPr lang="en-US" dirty="0"/>
+            </a:br>
+            <a:br>
+              <a:rPr lang="en-US" dirty="0"/>
+            </a:br>
+            <a:r>
+              <a:rPr lang="en-US" dirty="0"/>
+              <a:t>Mention route field…. This will segway into back of house.</a:t>
+            </a:r>
+          </a:p>
+          <a:p>
+            <a:endParaRPr lang="en-US" dirty="0"/>
           </a:p>
           <a:p>
             <a:r>
               <a:rPr lang="en-US" b="1" dirty="0"/>
-              <a:t>Explain that password change here triggers what we saw at the very beginning of the demo.</a:t>
-            </a:r>
-          </a:p>
-        </p:txBody>
-      </p:sp>
-      <p:sp>
-        <p:nvSpPr>
-          <p:cNvPr id="8" name="Text Placeholder 7">
-            <a:extLst>
-              <a:ext uri="{FF2B5EF4-FFF2-40B4-BE49-F238E27FC236}">
-                <a16:creationId xmlns:a16="http://schemas.microsoft.com/office/drawing/2014/main" id="{862EE68D-064C-F641-0F08-20730A479C31}"/>
-              </a:ext>
-            </a:extLst>
-          </p:cNvPr>
-          <p:cNvSpPr>
-            <a:spLocks noGrp="1"/>
-          </p:cNvSpPr>
-          <p:nvPr>
-            <p:ph type="body" sz="quarter" idx="3"/>
-          </p:nvPr>
-        </p:nvSpPr>
-        <p:spPr/>
-        <p:txBody>
-          <a:bodyPr/>
-          <a:lstStyle/>
-          <a:p>
-            <a:r>
-              <a:rPr lang="en-US" dirty="0"/>
-              <a:t>Hand control of presentation over to DAVID when you are finished</a:t>
+              <a:t>Hand control over to CARSON</a:t>
             </a:r>
           </a:p>
         </p:txBody>
@@ -6598,7 +6525,7 @@
     </p:spTree>
     <p:extLst>
       <p:ext uri="{BB962C8B-B14F-4D97-AF65-F5344CB8AC3E}">
-        <p14:creationId xmlns:p14="http://schemas.microsoft.com/office/powerpoint/2010/main" val="1346643186"/>
+        <p14:creationId xmlns:p14="http://schemas.microsoft.com/office/powerpoint/2010/main" val="631440977"/>
       </p:ext>
     </p:extLst>
   </p:cSld>
